--- a/Grafico.pptx
+++ b/Grafico.pptx
@@ -104,6 +104,11 @@
       </a:defRPr>
     </a:lvl9pPr>
   </p:defaultTextStyle>
+  <p:extLst>
+    <p:ext uri="{EFAFB233-063F-42B5-8137-9DF3F51BA10A}">
+      <p15:sldGuideLst xmlns:p15="http://schemas.microsoft.com/office/powerpoint/2012/main"/>
+    </p:ext>
+  </p:extLst>
 </p:presentation>
 </file>
 
@@ -149,10 +154,9 @@
           </a:lstStyle>
           <a:p>
             <a:r>
-              <a:rPr lang="en-US" smtClean="0"/>
+              <a:rPr lang="en-US"/>
               <a:t>Click to edit Master title style</a:t>
             </a:r>
-            <a:endParaRPr lang="en-US"/>
           </a:p>
         </p:txBody>
       </p:sp>
@@ -214,10 +218,9 @@
           </a:lstStyle>
           <a:p>
             <a:r>
-              <a:rPr lang="en-US" smtClean="0"/>
+              <a:rPr lang="en-US"/>
               <a:t>Click to edit Master subtitle style</a:t>
             </a:r>
-            <a:endParaRPr lang="en-US"/>
           </a:p>
         </p:txBody>
       </p:sp>
@@ -280,7 +283,7 @@
           <a:p>
             <a:fld id="{21C8D97C-F1DD-44DD-BCBA-6E4ABA781EBD}" type="slidenum">
               <a:rPr lang="en-US" smtClean="0"/>
-              <a:t>‹#›</a:t>
+              <a:t>‹nº›</a:t>
             </a:fld>
             <a:endParaRPr lang="en-US"/>
           </a:p>
@@ -332,10 +335,9 @@
           <a:lstStyle/>
           <a:p>
             <a:r>
-              <a:rPr lang="en-US" smtClean="0"/>
+              <a:rPr lang="en-US"/>
               <a:t>Click to edit Master title style</a:t>
             </a:r>
-            <a:endParaRPr lang="en-US"/>
           </a:p>
         </p:txBody>
       </p:sp>
@@ -356,38 +358,37 @@
           <a:p>
             <a:pPr lvl="0"/>
             <a:r>
-              <a:rPr lang="en-US" smtClean="0"/>
+              <a:rPr lang="en-US"/>
               <a:t>Edit Master text styles</a:t>
             </a:r>
           </a:p>
           <a:p>
             <a:pPr lvl="1"/>
             <a:r>
-              <a:rPr lang="en-US" smtClean="0"/>
+              <a:rPr lang="en-US"/>
               <a:t>Second level</a:t>
             </a:r>
           </a:p>
           <a:p>
             <a:pPr lvl="2"/>
             <a:r>
-              <a:rPr lang="en-US" smtClean="0"/>
+              <a:rPr lang="en-US"/>
               <a:t>Third level</a:t>
             </a:r>
           </a:p>
           <a:p>
             <a:pPr lvl="3"/>
             <a:r>
-              <a:rPr lang="en-US" smtClean="0"/>
+              <a:rPr lang="en-US"/>
               <a:t>Fourth level</a:t>
             </a:r>
           </a:p>
           <a:p>
             <a:pPr lvl="4"/>
             <a:r>
-              <a:rPr lang="en-US" smtClean="0"/>
+              <a:rPr lang="en-US"/>
               <a:t>Fifth level</a:t>
             </a:r>
-            <a:endParaRPr lang="en-US"/>
           </a:p>
         </p:txBody>
       </p:sp>
@@ -450,7 +451,7 @@
           <a:p>
             <a:fld id="{21C8D97C-F1DD-44DD-BCBA-6E4ABA781EBD}" type="slidenum">
               <a:rPr lang="en-US" smtClean="0"/>
-              <a:t>‹#›</a:t>
+              <a:t>‹nº›</a:t>
             </a:fld>
             <a:endParaRPr lang="en-US"/>
           </a:p>
@@ -507,10 +508,9 @@
           <a:lstStyle/>
           <a:p>
             <a:r>
-              <a:rPr lang="en-US" smtClean="0"/>
+              <a:rPr lang="en-US"/>
               <a:t>Click to edit Master title style</a:t>
             </a:r>
-            <a:endParaRPr lang="en-US"/>
           </a:p>
         </p:txBody>
       </p:sp>
@@ -536,38 +536,37 @@
           <a:p>
             <a:pPr lvl="0"/>
             <a:r>
-              <a:rPr lang="en-US" smtClean="0"/>
+              <a:rPr lang="en-US"/>
               <a:t>Edit Master text styles</a:t>
             </a:r>
           </a:p>
           <a:p>
             <a:pPr lvl="1"/>
             <a:r>
-              <a:rPr lang="en-US" smtClean="0"/>
+              <a:rPr lang="en-US"/>
               <a:t>Second level</a:t>
             </a:r>
           </a:p>
           <a:p>
             <a:pPr lvl="2"/>
             <a:r>
-              <a:rPr lang="en-US" smtClean="0"/>
+              <a:rPr lang="en-US"/>
               <a:t>Third level</a:t>
             </a:r>
           </a:p>
           <a:p>
             <a:pPr lvl="3"/>
             <a:r>
-              <a:rPr lang="en-US" smtClean="0"/>
+              <a:rPr lang="en-US"/>
               <a:t>Fourth level</a:t>
             </a:r>
           </a:p>
           <a:p>
             <a:pPr lvl="4"/>
             <a:r>
-              <a:rPr lang="en-US" smtClean="0"/>
+              <a:rPr lang="en-US"/>
               <a:t>Fifth level</a:t>
             </a:r>
-            <a:endParaRPr lang="en-US"/>
           </a:p>
         </p:txBody>
       </p:sp>
@@ -630,7 +629,7 @@
           <a:p>
             <a:fld id="{21C8D97C-F1DD-44DD-BCBA-6E4ABA781EBD}" type="slidenum">
               <a:rPr lang="en-US" smtClean="0"/>
-              <a:t>‹#›</a:t>
+              <a:t>‹nº›</a:t>
             </a:fld>
             <a:endParaRPr lang="en-US"/>
           </a:p>
@@ -682,10 +681,9 @@
           <a:lstStyle/>
           <a:p>
             <a:r>
-              <a:rPr lang="en-US" smtClean="0"/>
+              <a:rPr lang="en-US"/>
               <a:t>Click to edit Master title style</a:t>
             </a:r>
-            <a:endParaRPr lang="en-US"/>
           </a:p>
         </p:txBody>
       </p:sp>
@@ -706,38 +704,37 @@
           <a:p>
             <a:pPr lvl="0"/>
             <a:r>
-              <a:rPr lang="en-US" smtClean="0"/>
+              <a:rPr lang="en-US"/>
               <a:t>Edit Master text styles</a:t>
             </a:r>
           </a:p>
           <a:p>
             <a:pPr lvl="1"/>
             <a:r>
-              <a:rPr lang="en-US" smtClean="0"/>
+              <a:rPr lang="en-US"/>
               <a:t>Second level</a:t>
             </a:r>
           </a:p>
           <a:p>
             <a:pPr lvl="2"/>
             <a:r>
-              <a:rPr lang="en-US" smtClean="0"/>
+              <a:rPr lang="en-US"/>
               <a:t>Third level</a:t>
             </a:r>
           </a:p>
           <a:p>
             <a:pPr lvl="3"/>
             <a:r>
-              <a:rPr lang="en-US" smtClean="0"/>
+              <a:rPr lang="en-US"/>
               <a:t>Fourth level</a:t>
             </a:r>
           </a:p>
           <a:p>
             <a:pPr lvl="4"/>
             <a:r>
-              <a:rPr lang="en-US" smtClean="0"/>
+              <a:rPr lang="en-US"/>
               <a:t>Fifth level</a:t>
             </a:r>
-            <a:endParaRPr lang="en-US"/>
           </a:p>
         </p:txBody>
       </p:sp>
@@ -800,7 +797,7 @@
           <a:p>
             <a:fld id="{21C8D97C-F1DD-44DD-BCBA-6E4ABA781EBD}" type="slidenum">
               <a:rPr lang="en-US" smtClean="0"/>
-              <a:t>‹#›</a:t>
+              <a:t>‹nº›</a:t>
             </a:fld>
             <a:endParaRPr lang="en-US"/>
           </a:p>
@@ -861,10 +858,9 @@
           </a:lstStyle>
           <a:p>
             <a:r>
-              <a:rPr lang="en-US" smtClean="0"/>
+              <a:rPr lang="en-US"/>
               <a:t>Click to edit Master title style</a:t>
             </a:r>
-            <a:endParaRPr lang="en-US"/>
           </a:p>
         </p:txBody>
       </p:sp>
@@ -981,7 +977,7 @@
           <a:p>
             <a:pPr lvl="0"/>
             <a:r>
-              <a:rPr lang="en-US" smtClean="0"/>
+              <a:rPr lang="en-US"/>
               <a:t>Edit Master text styles</a:t>
             </a:r>
           </a:p>
@@ -1046,7 +1042,7 @@
           <a:p>
             <a:fld id="{21C8D97C-F1DD-44DD-BCBA-6E4ABA781EBD}" type="slidenum">
               <a:rPr lang="en-US" smtClean="0"/>
-              <a:t>‹#›</a:t>
+              <a:t>‹nº›</a:t>
             </a:fld>
             <a:endParaRPr lang="en-US"/>
           </a:p>
@@ -1098,10 +1094,9 @@
           <a:lstStyle/>
           <a:p>
             <a:r>
-              <a:rPr lang="en-US" smtClean="0"/>
+              <a:rPr lang="en-US"/>
               <a:t>Click to edit Master title style</a:t>
             </a:r>
-            <a:endParaRPr lang="en-US"/>
           </a:p>
         </p:txBody>
       </p:sp>
@@ -1127,38 +1122,37 @@
           <a:p>
             <a:pPr lvl="0"/>
             <a:r>
-              <a:rPr lang="en-US" smtClean="0"/>
+              <a:rPr lang="en-US"/>
               <a:t>Edit Master text styles</a:t>
             </a:r>
           </a:p>
           <a:p>
             <a:pPr lvl="1"/>
             <a:r>
-              <a:rPr lang="en-US" smtClean="0"/>
+              <a:rPr lang="en-US"/>
               <a:t>Second level</a:t>
             </a:r>
           </a:p>
           <a:p>
             <a:pPr lvl="2"/>
             <a:r>
-              <a:rPr lang="en-US" smtClean="0"/>
+              <a:rPr lang="en-US"/>
               <a:t>Third level</a:t>
             </a:r>
           </a:p>
           <a:p>
             <a:pPr lvl="3"/>
             <a:r>
-              <a:rPr lang="en-US" smtClean="0"/>
+              <a:rPr lang="en-US"/>
               <a:t>Fourth level</a:t>
             </a:r>
           </a:p>
           <a:p>
             <a:pPr lvl="4"/>
             <a:r>
-              <a:rPr lang="en-US" smtClean="0"/>
+              <a:rPr lang="en-US"/>
               <a:t>Fifth level</a:t>
             </a:r>
-            <a:endParaRPr lang="en-US"/>
           </a:p>
         </p:txBody>
       </p:sp>
@@ -1184,38 +1178,37 @@
           <a:p>
             <a:pPr lvl="0"/>
             <a:r>
-              <a:rPr lang="en-US" smtClean="0"/>
+              <a:rPr lang="en-US"/>
               <a:t>Edit Master text styles</a:t>
             </a:r>
           </a:p>
           <a:p>
             <a:pPr lvl="1"/>
             <a:r>
-              <a:rPr lang="en-US" smtClean="0"/>
+              <a:rPr lang="en-US"/>
               <a:t>Second level</a:t>
             </a:r>
           </a:p>
           <a:p>
             <a:pPr lvl="2"/>
             <a:r>
-              <a:rPr lang="en-US" smtClean="0"/>
+              <a:rPr lang="en-US"/>
               <a:t>Third level</a:t>
             </a:r>
           </a:p>
           <a:p>
             <a:pPr lvl="3"/>
             <a:r>
-              <a:rPr lang="en-US" smtClean="0"/>
+              <a:rPr lang="en-US"/>
               <a:t>Fourth level</a:t>
             </a:r>
           </a:p>
           <a:p>
             <a:pPr lvl="4"/>
             <a:r>
-              <a:rPr lang="en-US" smtClean="0"/>
+              <a:rPr lang="en-US"/>
               <a:t>Fifth level</a:t>
             </a:r>
-            <a:endParaRPr lang="en-US"/>
           </a:p>
         </p:txBody>
       </p:sp>
@@ -1278,7 +1271,7 @@
           <a:p>
             <a:fld id="{21C8D97C-F1DD-44DD-BCBA-6E4ABA781EBD}" type="slidenum">
               <a:rPr lang="en-US" smtClean="0"/>
-              <a:t>‹#›</a:t>
+              <a:t>‹nº›</a:t>
             </a:fld>
             <a:endParaRPr lang="en-US"/>
           </a:p>
@@ -1335,10 +1328,9 @@
           <a:lstStyle/>
           <a:p>
             <a:r>
-              <a:rPr lang="en-US" smtClean="0"/>
+              <a:rPr lang="en-US"/>
               <a:t>Click to edit Master title style</a:t>
             </a:r>
-            <a:endParaRPr lang="en-US"/>
           </a:p>
         </p:txBody>
       </p:sp>
@@ -1401,7 +1393,7 @@
           <a:p>
             <a:pPr lvl="0"/>
             <a:r>
-              <a:rPr lang="en-US" smtClean="0"/>
+              <a:rPr lang="en-US"/>
               <a:t>Edit Master text styles</a:t>
             </a:r>
           </a:p>
@@ -1429,38 +1421,37 @@
           <a:p>
             <a:pPr lvl="0"/>
             <a:r>
-              <a:rPr lang="en-US" smtClean="0"/>
+              <a:rPr lang="en-US"/>
               <a:t>Edit Master text styles</a:t>
             </a:r>
           </a:p>
           <a:p>
             <a:pPr lvl="1"/>
             <a:r>
-              <a:rPr lang="en-US" smtClean="0"/>
+              <a:rPr lang="en-US"/>
               <a:t>Second level</a:t>
             </a:r>
           </a:p>
           <a:p>
             <a:pPr lvl="2"/>
             <a:r>
-              <a:rPr lang="en-US" smtClean="0"/>
+              <a:rPr lang="en-US"/>
               <a:t>Third level</a:t>
             </a:r>
           </a:p>
           <a:p>
             <a:pPr lvl="3"/>
             <a:r>
-              <a:rPr lang="en-US" smtClean="0"/>
+              <a:rPr lang="en-US"/>
               <a:t>Fourth level</a:t>
             </a:r>
           </a:p>
           <a:p>
             <a:pPr lvl="4"/>
             <a:r>
-              <a:rPr lang="en-US" smtClean="0"/>
+              <a:rPr lang="en-US"/>
               <a:t>Fifth level</a:t>
             </a:r>
-            <a:endParaRPr lang="en-US"/>
           </a:p>
         </p:txBody>
       </p:sp>
@@ -1523,7 +1514,7 @@
           <a:p>
             <a:pPr lvl="0"/>
             <a:r>
-              <a:rPr lang="en-US" smtClean="0"/>
+              <a:rPr lang="en-US"/>
               <a:t>Edit Master text styles</a:t>
             </a:r>
           </a:p>
@@ -1551,38 +1542,37 @@
           <a:p>
             <a:pPr lvl="0"/>
             <a:r>
-              <a:rPr lang="en-US" smtClean="0"/>
+              <a:rPr lang="en-US"/>
               <a:t>Edit Master text styles</a:t>
             </a:r>
           </a:p>
           <a:p>
             <a:pPr lvl="1"/>
             <a:r>
-              <a:rPr lang="en-US" smtClean="0"/>
+              <a:rPr lang="en-US"/>
               <a:t>Second level</a:t>
             </a:r>
           </a:p>
           <a:p>
             <a:pPr lvl="2"/>
             <a:r>
-              <a:rPr lang="en-US" smtClean="0"/>
+              <a:rPr lang="en-US"/>
               <a:t>Third level</a:t>
             </a:r>
           </a:p>
           <a:p>
             <a:pPr lvl="3"/>
             <a:r>
-              <a:rPr lang="en-US" smtClean="0"/>
+              <a:rPr lang="en-US"/>
               <a:t>Fourth level</a:t>
             </a:r>
           </a:p>
           <a:p>
             <a:pPr lvl="4"/>
             <a:r>
-              <a:rPr lang="en-US" smtClean="0"/>
+              <a:rPr lang="en-US"/>
               <a:t>Fifth level</a:t>
             </a:r>
-            <a:endParaRPr lang="en-US"/>
           </a:p>
         </p:txBody>
       </p:sp>
@@ -1645,7 +1635,7 @@
           <a:p>
             <a:fld id="{21C8D97C-F1DD-44DD-BCBA-6E4ABA781EBD}" type="slidenum">
               <a:rPr lang="en-US" smtClean="0"/>
-              <a:t>‹#›</a:t>
+              <a:t>‹nº›</a:t>
             </a:fld>
             <a:endParaRPr lang="en-US"/>
           </a:p>
@@ -1697,10 +1687,9 @@
           <a:lstStyle/>
           <a:p>
             <a:r>
-              <a:rPr lang="en-US" smtClean="0"/>
+              <a:rPr lang="en-US"/>
               <a:t>Click to edit Master title style</a:t>
             </a:r>
-            <a:endParaRPr lang="en-US"/>
           </a:p>
         </p:txBody>
       </p:sp>
@@ -1763,7 +1752,7 @@
           <a:p>
             <a:fld id="{21C8D97C-F1DD-44DD-BCBA-6E4ABA781EBD}" type="slidenum">
               <a:rPr lang="en-US" smtClean="0"/>
-              <a:t>‹#›</a:t>
+              <a:t>‹nº›</a:t>
             </a:fld>
             <a:endParaRPr lang="en-US"/>
           </a:p>
@@ -1858,7 +1847,7 @@
           <a:p>
             <a:fld id="{21C8D97C-F1DD-44DD-BCBA-6E4ABA781EBD}" type="slidenum">
               <a:rPr lang="en-US" smtClean="0"/>
-              <a:t>‹#›</a:t>
+              <a:t>‹nº›</a:t>
             </a:fld>
             <a:endParaRPr lang="en-US"/>
           </a:p>
@@ -1919,10 +1908,9 @@
           </a:lstStyle>
           <a:p>
             <a:r>
-              <a:rPr lang="en-US" smtClean="0"/>
+              <a:rPr lang="en-US"/>
               <a:t>Click to edit Master title style</a:t>
             </a:r>
-            <a:endParaRPr lang="en-US"/>
           </a:p>
         </p:txBody>
       </p:sp>
@@ -1976,38 +1964,37 @@
           <a:p>
             <a:pPr lvl="0"/>
             <a:r>
-              <a:rPr lang="en-US" smtClean="0"/>
+              <a:rPr lang="en-US"/>
               <a:t>Edit Master text styles</a:t>
             </a:r>
           </a:p>
           <a:p>
             <a:pPr lvl="1"/>
             <a:r>
-              <a:rPr lang="en-US" smtClean="0"/>
+              <a:rPr lang="en-US"/>
               <a:t>Second level</a:t>
             </a:r>
           </a:p>
           <a:p>
             <a:pPr lvl="2"/>
             <a:r>
-              <a:rPr lang="en-US" smtClean="0"/>
+              <a:rPr lang="en-US"/>
               <a:t>Third level</a:t>
             </a:r>
           </a:p>
           <a:p>
             <a:pPr lvl="3"/>
             <a:r>
-              <a:rPr lang="en-US" smtClean="0"/>
+              <a:rPr lang="en-US"/>
               <a:t>Fourth level</a:t>
             </a:r>
           </a:p>
           <a:p>
             <a:pPr lvl="4"/>
             <a:r>
-              <a:rPr lang="en-US" smtClean="0"/>
+              <a:rPr lang="en-US"/>
               <a:t>Fifth level</a:t>
             </a:r>
-            <a:endParaRPr lang="en-US"/>
           </a:p>
         </p:txBody>
       </p:sp>
@@ -2070,7 +2057,7 @@
           <a:p>
             <a:pPr lvl="0"/>
             <a:r>
-              <a:rPr lang="en-US" smtClean="0"/>
+              <a:rPr lang="en-US"/>
               <a:t>Edit Master text styles</a:t>
             </a:r>
           </a:p>
@@ -2135,7 +2122,7 @@
           <a:p>
             <a:fld id="{21C8D97C-F1DD-44DD-BCBA-6E4ABA781EBD}" type="slidenum">
               <a:rPr lang="en-US" smtClean="0"/>
-              <a:t>‹#›</a:t>
+              <a:t>‹nº›</a:t>
             </a:fld>
             <a:endParaRPr lang="en-US"/>
           </a:p>
@@ -2196,10 +2183,9 @@
           </a:lstStyle>
           <a:p>
             <a:r>
-              <a:rPr lang="en-US" smtClean="0"/>
+              <a:rPr lang="en-US"/>
               <a:t>Click to edit Master title style</a:t>
             </a:r>
-            <a:endParaRPr lang="en-US"/>
           </a:p>
         </p:txBody>
       </p:sp>
@@ -2323,7 +2309,7 @@
           <a:p>
             <a:pPr lvl="0"/>
             <a:r>
-              <a:rPr lang="en-US" smtClean="0"/>
+              <a:rPr lang="en-US"/>
               <a:t>Edit Master text styles</a:t>
             </a:r>
           </a:p>
@@ -2388,7 +2374,7 @@
           <a:p>
             <a:fld id="{21C8D97C-F1DD-44DD-BCBA-6E4ABA781EBD}" type="slidenum">
               <a:rPr lang="en-US" smtClean="0"/>
-              <a:t>‹#›</a:t>
+              <a:t>‹nº›</a:t>
             </a:fld>
             <a:endParaRPr lang="en-US"/>
           </a:p>
@@ -2455,10 +2441,9 @@
           <a:lstStyle/>
           <a:p>
             <a:r>
-              <a:rPr lang="en-US" smtClean="0"/>
+              <a:rPr lang="en-US"/>
               <a:t>Click to edit Master title style</a:t>
             </a:r>
-            <a:endParaRPr lang="en-US"/>
           </a:p>
         </p:txBody>
       </p:sp>
@@ -2489,38 +2474,37 @@
           <a:p>
             <a:pPr lvl="0"/>
             <a:r>
-              <a:rPr lang="en-US" smtClean="0"/>
+              <a:rPr lang="en-US"/>
               <a:t>Edit Master text styles</a:t>
             </a:r>
           </a:p>
           <a:p>
             <a:pPr lvl="1"/>
             <a:r>
-              <a:rPr lang="en-US" smtClean="0"/>
+              <a:rPr lang="en-US"/>
               <a:t>Second level</a:t>
             </a:r>
           </a:p>
           <a:p>
             <a:pPr lvl="2"/>
             <a:r>
-              <a:rPr lang="en-US" smtClean="0"/>
+              <a:rPr lang="en-US"/>
               <a:t>Third level</a:t>
             </a:r>
           </a:p>
           <a:p>
             <a:pPr lvl="3"/>
             <a:r>
-              <a:rPr lang="en-US" smtClean="0"/>
+              <a:rPr lang="en-US"/>
               <a:t>Fourth level</a:t>
             </a:r>
           </a:p>
           <a:p>
             <a:pPr lvl="4"/>
             <a:r>
-              <a:rPr lang="en-US" smtClean="0"/>
+              <a:rPr lang="en-US"/>
               <a:t>Fifth level</a:t>
             </a:r>
-            <a:endParaRPr lang="en-US"/>
           </a:p>
         </p:txBody>
       </p:sp>
@@ -2637,7 +2621,7 @@
           <a:p>
             <a:fld id="{21C8D97C-F1DD-44DD-BCBA-6E4ABA781EBD}" type="slidenum">
               <a:rPr lang="en-US" smtClean="0"/>
-              <a:t>‹#›</a:t>
+              <a:t>‹nº›</a:t>
             </a:fld>
             <a:endParaRPr lang="en-US"/>
           </a:p>
@@ -3047,7 +3031,7 @@
             <a:lstStyle/>
             <a:p>
               <a:r>
-                <a:rPr lang="pt-PT" sz="1600" dirty="0" smtClean="0"/>
+                <a:rPr lang="pt-PT" sz="1600" dirty="0"/>
                 <a:t>Serviço Login</a:t>
               </a:r>
               <a:endParaRPr lang="en-US" sz="1600" dirty="0"/>
@@ -3138,7 +3122,7 @@
             <a:lstStyle/>
             <a:p>
               <a:r>
-                <a:rPr lang="pt-PT" sz="1600" dirty="0" smtClean="0"/>
+                <a:rPr lang="pt-PT" sz="1600" dirty="0"/>
                 <a:t>Serviço Subscrição</a:t>
               </a:r>
               <a:endParaRPr lang="en-US" sz="1600" dirty="0"/>
@@ -3229,24 +3213,28 @@
             <a:lstStyle/>
             <a:p>
               <a:r>
-                <a:rPr lang="pt-PT" sz="1600" dirty="0" smtClean="0"/>
-                <a:t>Serviço Ocorrências</a:t>
+                <a:rPr lang="pt-PT" sz="1600"/>
+                <a:t>Serviços </a:t>
+              </a:r>
+              <a:r>
+                <a:rPr lang="pt-PT" sz="1600" dirty="0"/>
+                <a:t>Ocorrências</a:t>
               </a:r>
               <a:br>
-                <a:rPr lang="pt-PT" sz="1600" dirty="0" smtClean="0"/>
+                <a:rPr lang="pt-PT" sz="1600" dirty="0"/>
               </a:br>
               <a:r>
-                <a:rPr lang="pt-PT" sz="1600" dirty="0" smtClean="0"/>
+                <a:rPr lang="pt-PT" sz="1600" dirty="0"/>
                 <a:t>c</a:t>
               </a:r>
               <a:r>
-                <a:rPr lang="pt-PT" sz="1200" dirty="0" smtClean="0"/>
+                <a:rPr lang="pt-PT" sz="1200" dirty="0"/>
                 <a:t>riar/consultar</a:t>
               </a:r>
             </a:p>
             <a:p>
               <a:r>
-                <a:rPr lang="pt-PT" sz="1200" dirty="0" smtClean="0"/>
+                <a:rPr lang="pt-PT" sz="1200" dirty="0"/>
                 <a:t>ocorrências</a:t>
               </a:r>
               <a:endParaRPr lang="en-US" sz="1600" dirty="0"/>
@@ -3337,13 +3325,13 @@
             <a:lstStyle/>
             <a:p>
               <a:r>
-                <a:rPr lang="pt-PT" sz="1600" dirty="0" smtClean="0"/>
+                <a:rPr lang="pt-PT" sz="1600" dirty="0"/>
                 <a:t>Serviço</a:t>
               </a:r>
             </a:p>
             <a:p>
               <a:r>
-                <a:rPr lang="pt-PT" sz="1600" dirty="0" err="1" smtClean="0"/>
+                <a:rPr lang="pt-PT" sz="1600" dirty="0" err="1"/>
                 <a:t>SMSs</a:t>
               </a:r>
               <a:endParaRPr lang="en-US" sz="1600" dirty="0"/>
@@ -3434,13 +3422,13 @@
             <a:lstStyle/>
             <a:p>
               <a:r>
-                <a:rPr lang="pt-PT" sz="1600" dirty="0" smtClean="0"/>
+                <a:rPr lang="pt-PT" sz="1600" dirty="0"/>
                 <a:t>Serviço</a:t>
               </a:r>
             </a:p>
             <a:p>
               <a:r>
-                <a:rPr lang="pt-PT" sz="1600" dirty="0" smtClean="0"/>
+                <a:rPr lang="pt-PT" sz="1600" dirty="0"/>
                 <a:t>Localização/tempo (API externa)</a:t>
               </a:r>
               <a:endParaRPr lang="en-US" sz="1600" dirty="0"/>
@@ -3491,7 +3479,7 @@
           <a:p>
             <a:pPr algn="ctr"/>
             <a:r>
-              <a:rPr lang="pt-PT" dirty="0" smtClean="0"/>
+              <a:rPr lang="pt-PT" dirty="0"/>
               <a:t>Message Bus Ocorrências</a:t>
             </a:r>
             <a:endParaRPr lang="en-US" dirty="0"/>
@@ -3611,7 +3599,7 @@
           <a:p>
             <a:pPr algn="ctr"/>
             <a:r>
-              <a:rPr lang="pt-PT" dirty="0" err="1" smtClean="0"/>
+              <a:rPr lang="pt-PT" dirty="0" err="1"/>
               <a:t>User</a:t>
             </a:r>
             <a:endParaRPr lang="en-US" dirty="0"/>
@@ -3734,7 +3722,7 @@
           <a:p>
             <a:pPr algn="ctr"/>
             <a:r>
-              <a:rPr lang="pt-PT" dirty="0" smtClean="0"/>
+              <a:rPr lang="pt-PT" dirty="0"/>
               <a:t>Autoridade</a:t>
             </a:r>
             <a:endParaRPr lang="en-US" dirty="0"/>
@@ -3990,15 +3978,15 @@
             <a:lstStyle/>
             <a:p>
               <a:r>
-                <a:rPr lang="pt-PT" sz="1100" dirty="0" smtClean="0"/>
+                <a:rPr lang="pt-PT" sz="1100" dirty="0"/>
                 <a:t>BD </a:t>
               </a:r>
               <a:r>
-                <a:rPr lang="pt-PT" sz="1100" dirty="0" err="1" smtClean="0"/>
+                <a:rPr lang="pt-PT" sz="1100" dirty="0" err="1"/>
                 <a:t>Users</a:t>
               </a:r>
               <a:r>
-                <a:rPr lang="pt-PT" sz="1100" dirty="0" smtClean="0"/>
+                <a:rPr lang="pt-PT" sz="1100" dirty="0"/>
                 <a:t>/Login</a:t>
               </a:r>
               <a:endParaRPr lang="en-US" sz="1100" dirty="0"/>
@@ -4084,7 +4072,7 @@
             <a:lstStyle/>
             <a:p>
               <a:r>
-                <a:rPr lang="pt-PT" sz="1100" dirty="0" smtClean="0"/>
+                <a:rPr lang="pt-PT" sz="1100" dirty="0"/>
                 <a:t>BD Ocorrências</a:t>
               </a:r>
               <a:endParaRPr lang="en-US" sz="1100" dirty="0"/>
@@ -4170,7 +4158,7 @@
             <a:lstStyle/>
             <a:p>
               <a:r>
-                <a:rPr lang="pt-PT" sz="1100" dirty="0" smtClean="0"/>
+                <a:rPr lang="pt-PT" sz="1100" dirty="0"/>
                 <a:t>BD Subscrições</a:t>
               </a:r>
               <a:endParaRPr lang="en-US" sz="1100" dirty="0"/>
@@ -4256,11 +4244,11 @@
             <a:lstStyle/>
             <a:p>
               <a:r>
-                <a:rPr lang="pt-PT" sz="1100" dirty="0" smtClean="0"/>
+                <a:rPr lang="pt-PT" sz="1100" dirty="0"/>
                 <a:t>BD </a:t>
               </a:r>
               <a:r>
-                <a:rPr lang="pt-PT" sz="1100" dirty="0" err="1" smtClean="0"/>
+                <a:rPr lang="pt-PT" sz="1100" dirty="0" err="1"/>
                 <a:t>SMSs</a:t>
               </a:r>
               <a:endParaRPr lang="en-US" sz="1100" dirty="0"/>
@@ -4390,13 +4378,13 @@
             <a:lstStyle/>
             <a:p>
               <a:r>
-                <a:rPr lang="pt-PT" sz="1600" dirty="0" smtClean="0"/>
+                <a:rPr lang="pt-PT" sz="1600" dirty="0"/>
                 <a:t>Serviço</a:t>
               </a:r>
             </a:p>
             <a:p>
               <a:r>
-                <a:rPr lang="pt-PT" sz="1600" dirty="0" err="1" smtClean="0"/>
+                <a:rPr lang="pt-PT" sz="1600" dirty="0" err="1"/>
                 <a:t>Reporting</a:t>
               </a:r>
               <a:endParaRPr lang="en-US" sz="1600" dirty="0"/>
@@ -4447,7 +4435,7 @@
           <a:p>
             <a:pPr algn="ctr"/>
             <a:r>
-              <a:rPr lang="pt-PT" dirty="0" smtClean="0"/>
+              <a:rPr lang="pt-PT" dirty="0"/>
               <a:t>Message Bus Subscrições</a:t>
             </a:r>
             <a:endParaRPr lang="en-US" dirty="0"/>
@@ -4643,11 +4631,11 @@
             <a:lstStyle/>
             <a:p>
               <a:r>
-                <a:rPr lang="pt-PT" sz="1100" dirty="0" smtClean="0"/>
+                <a:rPr lang="pt-PT" sz="1100" dirty="0"/>
                 <a:t>BD </a:t>
               </a:r>
               <a:r>
-                <a:rPr lang="pt-PT" sz="1100" dirty="0" err="1" smtClean="0"/>
+                <a:rPr lang="pt-PT" sz="1100" dirty="0" err="1"/>
                 <a:t>Reporting</a:t>
               </a:r>
               <a:endParaRPr lang="en-US" sz="1100" dirty="0"/>
@@ -4665,13 +4653,6 @@
   <p:clrMapOvr>
     <a:masterClrMapping/>
   </p:clrMapOvr>
-  <p:timing>
-    <p:tnLst>
-      <p:par>
-        <p:cTn id="1" dur="indefinite" restart="never" nodeType="tmRoot"/>
-      </p:par>
-    </p:tnLst>
-  </p:timing>
 </p:sld>
 </file>
 

--- a/Grafico.pptx
+++ b/Grafico.pptx
@@ -3311,7 +3311,7 @@
           <p:spPr>
             <a:xfrm>
               <a:off x="3910904" y="1960468"/>
-              <a:ext cx="1342726" cy="551590"/>
+              <a:ext cx="1342725" cy="551590"/>
             </a:xfrm>
             <a:prstGeom prst="rect">
               <a:avLst/>
@@ -3331,7 +3331,7 @@
             </a:p>
             <a:p>
               <a:r>
-                <a:rPr lang="pt-PT" sz="1600" dirty="0" err="1"/>
+                <a:rPr lang="pt-PT" sz="1600" dirty="0" err="1" smtClean="0"/>
                 <a:t>SMSs</a:t>
               </a:r>
               <a:endParaRPr lang="en-US" sz="1600" dirty="0"/>
@@ -3347,10 +3347,10 @@
         </p:nvGrpSpPr>
         <p:grpSpPr>
           <a:xfrm>
-            <a:off x="5537881" y="155904"/>
-            <a:ext cx="2308542" cy="1500727"/>
-            <a:chOff x="3600190" y="1528483"/>
-            <a:chExt cx="1776047" cy="1415562"/>
+            <a:off x="5498061" y="155904"/>
+            <a:ext cx="2348362" cy="1500727"/>
+            <a:chOff x="3569555" y="1528483"/>
+            <a:chExt cx="1806682" cy="1415562"/>
           </a:xfrm>
         </p:grpSpPr>
         <p:sp>
@@ -3407,8 +3407,8 @@
           </p:nvSpPr>
           <p:spPr>
             <a:xfrm>
-              <a:off x="3963567" y="1787726"/>
-              <a:ext cx="1412669" cy="1016087"/>
+              <a:off x="3569555" y="1787726"/>
+              <a:ext cx="1806682" cy="783839"/>
             </a:xfrm>
             <a:prstGeom prst="rect">
               <a:avLst/>
@@ -3421,15 +3421,21 @@
             </a:bodyPr>
             <a:lstStyle/>
             <a:p>
+              <a:pPr algn="ctr"/>
               <a:r>
                 <a:rPr lang="pt-PT" sz="1600" dirty="0"/>
                 <a:t>Serviço</a:t>
               </a:r>
             </a:p>
             <a:p>
+              <a:pPr algn="ctr"/>
+              <a:r>
+                <a:rPr lang="pt-PT" sz="1600" dirty="0" smtClean="0"/>
+                <a:t>Localização/Meteorologia </a:t>
+              </a:r>
               <a:r>
                 <a:rPr lang="pt-PT" sz="1600" dirty="0"/>
-                <a:t>Localização/tempo (API externa)</a:t>
+                <a:t>(API externa)</a:t>
               </a:r>
               <a:endParaRPr lang="en-US" sz="1600" dirty="0"/>
             </a:p>
